--- a/doc/Integrating Large Language Models into Reinforcement Learning.pptx
+++ b/doc/Integrating Large Language Models into Reinforcement Learning.pptx
@@ -108,6 +108,11 @@
       </a:defRPr>
     </a:lvl9pPr>
   </p:defaultTextStyle>
+  <p:extLst>
+    <p:ext uri="{EFAFB233-063F-42B5-8137-9DF3F51BA10A}">
+      <p15:sldGuideLst xmlns:p15="http://schemas.microsoft.com/office/powerpoint/2012/main"/>
+    </p:ext>
+  </p:extLst>
 </p:presentation>
 </file>
 
@@ -1797,7 +1802,7 @@
           </a:r>
           <a:r>
             <a:rPr lang="nb-NO" dirty="0" err="1"/>
-            <a:t>measure</a:t>
+            <a:t>reward</a:t>
           </a:r>
           <a:r>
             <a:rPr lang="nb-NO" dirty="0"/>
@@ -3539,7 +3544,7 @@
           </a:r>
           <a:r>
             <a:rPr lang="nb-NO" sz="1900" kern="1200" dirty="0" err="1"/>
-            <a:t>measure</a:t>
+            <a:t>reward</a:t>
           </a:r>
           <a:r>
             <a:rPr lang="nb-NO" sz="1900" kern="1200" dirty="0"/>
@@ -7680,7 +7685,7 @@
             <a:fld id="{3F9AFA87-1417-4992-ABD9-27C3BC8CC883}" type="datetimeFigureOut">
               <a:rPr lang="en-US" smtClean="0"/>
               <a:pPr algn="r"/>
-              <a:t>9/24/2023</a:t>
+              <a:t>9/25/2023</a:t>
             </a:fld>
             <a:endParaRPr lang="en-US" dirty="0"/>
           </a:p>
@@ -7881,7 +7886,7 @@
             <a:fld id="{3F9AFA87-1417-4992-ABD9-27C3BC8CC883}" type="datetimeFigureOut">
               <a:rPr lang="en-US" smtClean="0"/>
               <a:pPr algn="r"/>
-              <a:t>9/24/2023</a:t>
+              <a:t>9/25/2023</a:t>
             </a:fld>
             <a:endParaRPr lang="en-US" dirty="0"/>
           </a:p>
@@ -8092,7 +8097,7 @@
             <a:fld id="{3F9AFA87-1417-4992-ABD9-27C3BC8CC883}" type="datetimeFigureOut">
               <a:rPr lang="en-US" smtClean="0"/>
               <a:pPr algn="r"/>
-              <a:t>9/24/2023</a:t>
+              <a:t>9/25/2023</a:t>
             </a:fld>
             <a:endParaRPr lang="en-US" dirty="0"/>
           </a:p>
@@ -8293,7 +8298,7 @@
             <a:fld id="{3F9AFA87-1417-4992-ABD9-27C3BC8CC883}" type="datetimeFigureOut">
               <a:rPr lang="en-US" smtClean="0"/>
               <a:pPr algn="r"/>
-              <a:t>9/24/2023</a:t>
+              <a:t>9/25/2023</a:t>
             </a:fld>
             <a:endParaRPr lang="en-US" dirty="0"/>
           </a:p>
@@ -8571,7 +8576,7 @@
             <a:fld id="{3F9AFA87-1417-4992-ABD9-27C3BC8CC883}" type="datetimeFigureOut">
               <a:rPr lang="en-US" smtClean="0"/>
               <a:pPr algn="r"/>
-              <a:t>9/24/2023</a:t>
+              <a:t>9/25/2023</a:t>
             </a:fld>
             <a:endParaRPr lang="en-US" dirty="0"/>
           </a:p>
@@ -8839,7 +8844,7 @@
             <a:fld id="{3F9AFA87-1417-4992-ABD9-27C3BC8CC883}" type="datetimeFigureOut">
               <a:rPr lang="en-US" smtClean="0"/>
               <a:pPr algn="r"/>
-              <a:t>9/24/2023</a:t>
+              <a:t>9/25/2023</a:t>
             </a:fld>
             <a:endParaRPr lang="en-US" dirty="0"/>
           </a:p>
@@ -9254,7 +9259,7 @@
             <a:fld id="{3F9AFA87-1417-4992-ABD9-27C3BC8CC883}" type="datetimeFigureOut">
               <a:rPr lang="en-US" smtClean="0"/>
               <a:pPr algn="r"/>
-              <a:t>9/24/2023</a:t>
+              <a:t>9/25/2023</a:t>
             </a:fld>
             <a:endParaRPr lang="en-US" dirty="0"/>
           </a:p>
@@ -9398,7 +9403,7 @@
             <a:fld id="{3F9AFA87-1417-4992-ABD9-27C3BC8CC883}" type="datetimeFigureOut">
               <a:rPr lang="en-US" smtClean="0"/>
               <a:pPr algn="r"/>
-              <a:t>9/24/2023</a:t>
+              <a:t>9/25/2023</a:t>
             </a:fld>
             <a:endParaRPr lang="en-US" dirty="0"/>
           </a:p>
@@ -9514,7 +9519,7 @@
             <a:fld id="{3F9AFA87-1417-4992-ABD9-27C3BC8CC883}" type="datetimeFigureOut">
               <a:rPr lang="en-US" smtClean="0"/>
               <a:pPr algn="r"/>
-              <a:t>9/24/2023</a:t>
+              <a:t>9/25/2023</a:t>
             </a:fld>
             <a:endParaRPr lang="en-US" dirty="0"/>
           </a:p>
@@ -9828,7 +9833,7 @@
             <a:fld id="{3F9AFA87-1417-4992-ABD9-27C3BC8CC883}" type="datetimeFigureOut">
               <a:rPr lang="en-US" smtClean="0"/>
               <a:pPr algn="r"/>
-              <a:t>9/24/2023</a:t>
+              <a:t>9/25/2023</a:t>
             </a:fld>
             <a:endParaRPr lang="en-US" dirty="0"/>
           </a:p>
@@ -10119,7 +10124,7 @@
             <a:fld id="{3F9AFA87-1417-4992-ABD9-27C3BC8CC883}" type="datetimeFigureOut">
               <a:rPr lang="en-US" smtClean="0"/>
               <a:pPr algn="r"/>
-              <a:t>9/24/2023</a:t>
+              <a:t>9/25/2023</a:t>
             </a:fld>
             <a:endParaRPr lang="en-US" dirty="0"/>
           </a:p>
@@ -10363,7 +10368,7 @@
             <a:fld id="{3F9AFA87-1417-4992-ABD9-27C3BC8CC883}" type="datetimeFigureOut">
               <a:rPr lang="en-US" smtClean="0"/>
               <a:pPr algn="r"/>
-              <a:t>9/24/2023</a:t>
+              <a:t>9/25/2023</a:t>
             </a:fld>
             <a:endParaRPr lang="en-US" dirty="0"/>
           </a:p>
@@ -11641,22 +11646,116 @@
           </p:cNvPicPr>
           <p:nvPr/>
         </p:nvPicPr>
-        <p:blipFill>
+        <p:blipFill rotWithShape="1">
           <a:blip r:embed="rId3"/>
-          <a:stretch>
-            <a:fillRect/>
-          </a:stretch>
+          <a:srcRect l="6084"/>
+          <a:stretch/>
         </p:blipFill>
         <p:spPr>
           <a:xfrm>
-            <a:off x="4812146" y="3563937"/>
-            <a:ext cx="7112808" cy="2392384"/>
+            <a:off x="5244860" y="3563937"/>
+            <a:ext cx="6680094" cy="2392384"/>
           </a:xfrm>
           <a:prstGeom prst="rect">
             <a:avLst/>
           </a:prstGeom>
         </p:spPr>
       </p:pic>
+      <p:sp>
+        <p:nvSpPr>
+          <p:cNvPr id="4" name="TekstSylinder 3">
+            <a:extLst>
+              <a:ext uri="{FF2B5EF4-FFF2-40B4-BE49-F238E27FC236}">
+                <a16:creationId xmlns:a16="http://schemas.microsoft.com/office/drawing/2014/main" id="{6D91D62D-17C7-54A9-E59D-5DE5AEF8E8DA}"/>
+              </a:ext>
+            </a:extLst>
+          </p:cNvPr>
+          <p:cNvSpPr txBox="1"/>
+          <p:nvPr/>
+        </p:nvSpPr>
+        <p:spPr>
+          <a:xfrm>
+            <a:off x="5244860" y="6031210"/>
+            <a:ext cx="6349042" cy="461665"/>
+          </a:xfrm>
+          <a:prstGeom prst="rect">
+            <a:avLst/>
+          </a:prstGeom>
+          <a:noFill/>
+        </p:spPr>
+        <p:txBody>
+          <a:bodyPr wrap="square" rtlCol="0">
+            <a:spAutoFit/>
+          </a:bodyPr>
+          <a:lstStyle/>
+          <a:p>
+            <a:r>
+              <a:rPr lang="nb-NO" sz="1200" dirty="0" err="1"/>
+              <a:t>Above</a:t>
+            </a:r>
+            <a:r>
+              <a:rPr lang="nb-NO" sz="1200" dirty="0"/>
+              <a:t>: </a:t>
+            </a:r>
+            <a:r>
+              <a:rPr lang="nb-NO" sz="1200" dirty="0" err="1"/>
+              <a:t>Farama</a:t>
+            </a:r>
+            <a:r>
+              <a:rPr lang="nb-NO" sz="1200" dirty="0"/>
+              <a:t> 2023, </a:t>
+            </a:r>
+            <a:r>
+              <a:rPr lang="nb-NO" sz="1200" i="1" dirty="0"/>
+              <a:t>Minigrid</a:t>
+            </a:r>
+            <a:r>
+              <a:rPr lang="nb-NO" sz="1200" dirty="0"/>
+              <a:t>. </a:t>
+            </a:r>
+            <a:r>
+              <a:rPr lang="nb-NO" sz="1200" dirty="0" err="1"/>
+              <a:t>Screenshot</a:t>
+            </a:r>
+            <a:r>
+              <a:rPr lang="nb-NO" sz="1200" dirty="0"/>
+              <a:t> by </a:t>
+            </a:r>
+            <a:r>
+              <a:rPr lang="nb-NO" sz="1200" dirty="0" err="1"/>
+              <a:t>author</a:t>
+            </a:r>
+            <a:r>
+              <a:rPr lang="nb-NO" sz="1200" dirty="0"/>
+              <a:t>. </a:t>
+            </a:r>
+            <a:r>
+              <a:rPr lang="nb-NO" sz="1200" dirty="0" err="1"/>
+              <a:t>Below</a:t>
+            </a:r>
+            <a:r>
+              <a:rPr lang="nb-NO" sz="1200" dirty="0"/>
+              <a:t>: </a:t>
+            </a:r>
+            <a:r>
+              <a:rPr lang="nb-NO" sz="1200" dirty="0" err="1"/>
+              <a:t>Example</a:t>
+            </a:r>
+            <a:r>
+              <a:rPr lang="nb-NO" sz="1200" dirty="0"/>
+              <a:t> prompt to LLM, and LLM </a:t>
+            </a:r>
+            <a:r>
+              <a:rPr lang="nb-NO" sz="1200" dirty="0" err="1"/>
+              <a:t>response</a:t>
+            </a:r>
+            <a:r>
+              <a:rPr lang="nb-NO" sz="1200" dirty="0"/>
+              <a:t>.</a:t>
+            </a:r>
+          </a:p>
+        </p:txBody>
+      </p:sp>
     </p:spTree>
     <p:extLst>
       <p:ext uri="{BB962C8B-B14F-4D97-AF65-F5344CB8AC3E}">
@@ -11751,7 +11850,7 @@
             <p:ph idx="1"/>
             <p:extLst>
               <p:ext uri="{D42A27DB-BD31-4B8C-83A1-F6EECF244321}">
-                <p14:modId xmlns:p14="http://schemas.microsoft.com/office/powerpoint/2010/main" val="4035132801"/>
+                <p14:modId xmlns:p14="http://schemas.microsoft.com/office/powerpoint/2010/main" val="520257711"/>
               </p:ext>
             </p:extLst>
           </p:nvPr>
